--- a/presentation/scan2Shop.pptx
+++ b/presentation/scan2Shop.pptx
@@ -14,7 +14,7 @@
     <p:sldId id="258" r:id="rId8"/>
     <p:sldId id="256" r:id="rId9"/>
   </p:sldIdLst>
-  <p:sldSz cx="9144000" cy="6858000" type="screen4x3"/>
+  <p:sldSz cx="9144000" cy="5143500" type="screen16x9"/>
   <p:notesSz cx="6858000" cy="9144000"/>
   <p:defaultTextStyle>
     <a:defPPr>
@@ -143,8 +143,8 @@
         </p:nvSpPr>
         <p:spPr>
           <a:xfrm>
-            <a:off x="685800" y="609601"/>
-            <a:ext cx="7772400" cy="4267200"/>
+            <a:off x="685800" y="457201"/>
+            <a:ext cx="7772400" cy="3200400"/>
           </a:xfrm>
         </p:spPr>
         <p:txBody>
@@ -180,8 +180,8 @@
         </p:nvSpPr>
         <p:spPr>
           <a:xfrm>
-            <a:off x="1371600" y="4953000"/>
-            <a:ext cx="6400800" cy="1219200"/>
+            <a:off x="1371600" y="3714750"/>
+            <a:ext cx="6400800" cy="914400"/>
           </a:xfrm>
         </p:spPr>
         <p:txBody>
@@ -306,6 +306,7 @@
           <a:p>
             <a:fld id="{BF92E2F3-A957-4897-AE39-228CC061DCDB}" type="datetimeFigureOut">
               <a:rPr lang="sk-SK" smtClean="0"/>
+              <a:pPr/>
               <a:t>24. 10. 2017</a:t>
             </a:fld>
             <a:endParaRPr lang="sk-SK"/>
@@ -329,6 +330,7 @@
           <a:p>
             <a:fld id="{6EC84D80-3779-453A-ADA2-5F0F5F321983}" type="slidenum">
               <a:rPr lang="sk-SK" smtClean="0"/>
+              <a:pPr/>
               <a:t>‹#›</a:t>
             </a:fld>
             <a:endParaRPr lang="sk-SK"/>
@@ -471,6 +473,7 @@
           <a:p>
             <a:fld id="{BF92E2F3-A957-4897-AE39-228CC061DCDB}" type="datetimeFigureOut">
               <a:rPr lang="sk-SK" smtClean="0"/>
+              <a:pPr/>
               <a:t>24. 10. 2017</a:t>
             </a:fld>
             <a:endParaRPr lang="sk-SK"/>
@@ -513,6 +516,7 @@
           <a:p>
             <a:fld id="{6EC84D80-3779-453A-ADA2-5F0F5F321983}" type="slidenum">
               <a:rPr lang="sk-SK" smtClean="0"/>
+              <a:pPr/>
               <a:t>‹#›</a:t>
             </a:fld>
             <a:endParaRPr lang="sk-SK"/>
@@ -556,8 +560,8 @@
         </p:nvSpPr>
         <p:spPr>
           <a:xfrm>
-            <a:off x="6629400" y="274638"/>
-            <a:ext cx="2057400" cy="5851525"/>
+            <a:off x="6629400" y="205979"/>
+            <a:ext cx="2057400" cy="4388644"/>
           </a:xfrm>
         </p:spPr>
         <p:txBody>
@@ -584,8 +588,8 @@
         </p:nvSpPr>
         <p:spPr>
           <a:xfrm>
-            <a:off x="457200" y="274638"/>
-            <a:ext cx="6019800" cy="5851525"/>
+            <a:off x="457200" y="205979"/>
+            <a:ext cx="6019800" cy="4388644"/>
           </a:xfrm>
         </p:spPr>
         <p:txBody>
@@ -646,6 +650,7 @@
           <a:p>
             <a:fld id="{BF92E2F3-A957-4897-AE39-228CC061DCDB}" type="datetimeFigureOut">
               <a:rPr lang="sk-SK" smtClean="0"/>
+              <a:pPr/>
               <a:t>24. 10. 2017</a:t>
             </a:fld>
             <a:endParaRPr lang="sk-SK"/>
@@ -688,6 +693,7 @@
           <a:p>
             <a:fld id="{6EC84D80-3779-453A-ADA2-5F0F5F321983}" type="slidenum">
               <a:rPr lang="sk-SK" smtClean="0"/>
+              <a:pPr/>
               <a:t>‹#›</a:t>
             </a:fld>
             <a:endParaRPr lang="sk-SK"/>
@@ -829,6 +835,7 @@
           <a:p>
             <a:fld id="{BF92E2F3-A957-4897-AE39-228CC061DCDB}" type="datetimeFigureOut">
               <a:rPr lang="sk-SK" smtClean="0"/>
+              <a:pPr/>
               <a:t>24. 10. 2017</a:t>
             </a:fld>
             <a:endParaRPr lang="sk-SK"/>
@@ -871,6 +878,7 @@
           <a:p>
             <a:fld id="{6EC84D80-3779-453A-ADA2-5F0F5F321983}" type="slidenum">
               <a:rPr lang="sk-SK" smtClean="0"/>
+              <a:pPr/>
               <a:t>‹#›</a:t>
             </a:fld>
             <a:endParaRPr lang="sk-SK"/>
@@ -914,8 +922,8 @@
         </p:nvSpPr>
         <p:spPr>
           <a:xfrm>
-            <a:off x="722313" y="1371600"/>
-            <a:ext cx="7772400" cy="2505075"/>
+            <a:off x="722313" y="1028701"/>
+            <a:ext cx="7772400" cy="1878806"/>
           </a:xfrm>
         </p:spPr>
         <p:txBody>
@@ -967,8 +975,8 @@
         </p:nvSpPr>
         <p:spPr>
           <a:xfrm>
-            <a:off x="722313" y="4068763"/>
-            <a:ext cx="7772400" cy="1131887"/>
+            <a:off x="722313" y="3051573"/>
+            <a:ext cx="7772400" cy="848915"/>
           </a:xfrm>
         </p:spPr>
         <p:txBody>
@@ -1091,6 +1099,7 @@
           <a:p>
             <a:fld id="{BF92E2F3-A957-4897-AE39-228CC061DCDB}" type="datetimeFigureOut">
               <a:rPr lang="sk-SK" smtClean="0"/>
+              <a:pPr/>
               <a:t>24. 10. 2017</a:t>
             </a:fld>
             <a:endParaRPr lang="sk-SK"/>
@@ -1133,6 +1142,7 @@
           <a:p>
             <a:fld id="{6EC84D80-3779-453A-ADA2-5F0F5F321983}" type="slidenum">
               <a:rPr lang="sk-SK" smtClean="0"/>
+              <a:pPr/>
               <a:t>‹#›</a:t>
             </a:fld>
             <a:endParaRPr lang="sk-SK"/>
@@ -1147,8 +1157,8 @@
         </p:nvSpPr>
         <p:spPr>
           <a:xfrm>
-            <a:off x="4495800" y="3924300"/>
-            <a:ext cx="84772" cy="84772"/>
+            <a:off x="4495800" y="2943225"/>
+            <a:ext cx="84772" cy="63579"/>
           </a:xfrm>
           <a:prstGeom prst="ellipse">
             <a:avLst/>
@@ -1197,8 +1207,8 @@
         </p:nvSpPr>
         <p:spPr>
           <a:xfrm>
-            <a:off x="4695825" y="3924300"/>
-            <a:ext cx="84772" cy="84772"/>
+            <a:off x="4695825" y="2943225"/>
+            <a:ext cx="84772" cy="63579"/>
           </a:xfrm>
           <a:prstGeom prst="ellipse">
             <a:avLst/>
@@ -1247,8 +1257,8 @@
         </p:nvSpPr>
         <p:spPr>
           <a:xfrm>
-            <a:off x="4296728" y="3924300"/>
-            <a:ext cx="84772" cy="84772"/>
+            <a:off x="4296728" y="2943225"/>
+            <a:ext cx="84772" cy="63579"/>
           </a:xfrm>
           <a:prstGeom prst="ellipse">
             <a:avLst/>
@@ -1349,8 +1359,8 @@
         </p:nvSpPr>
         <p:spPr>
           <a:xfrm>
-            <a:off x="4648200" y="1600200"/>
-            <a:ext cx="4038600" cy="4525963"/>
+            <a:off x="4648200" y="1200151"/>
+            <a:ext cx="4038600" cy="3394472"/>
           </a:xfrm>
         </p:spPr>
         <p:txBody>
@@ -1439,6 +1449,7 @@
           <a:p>
             <a:fld id="{BF92E2F3-A957-4897-AE39-228CC061DCDB}" type="datetimeFigureOut">
               <a:rPr lang="sk-SK" smtClean="0"/>
+              <a:pPr/>
               <a:t>24. 10. 2017</a:t>
             </a:fld>
             <a:endParaRPr lang="sk-SK"/>
@@ -1481,6 +1492,7 @@
           <a:p>
             <a:fld id="{6EC84D80-3779-453A-ADA2-5F0F5F321983}" type="slidenum">
               <a:rPr lang="sk-SK" smtClean="0"/>
+              <a:pPr/>
               <a:t>‹#›</a:t>
             </a:fld>
             <a:endParaRPr lang="sk-SK"/>
@@ -1499,8 +1511,8 @@
         </p:nvSpPr>
         <p:spPr>
           <a:xfrm>
-            <a:off x="365760" y="1600200"/>
-            <a:ext cx="4041648" cy="4526280"/>
+            <a:off x="365760" y="1200150"/>
+            <a:ext cx="4041648" cy="3394710"/>
           </a:xfrm>
         </p:spPr>
         <p:txBody>
@@ -1608,8 +1620,8 @@
         </p:nvSpPr>
         <p:spPr>
           <a:xfrm>
-            <a:off x="457200" y="1600200"/>
-            <a:ext cx="4040188" cy="609600"/>
+            <a:off x="457200" y="1200150"/>
+            <a:ext cx="4040188" cy="457200"/>
           </a:xfrm>
         </p:spPr>
         <p:txBody>
@@ -1675,8 +1687,8 @@
         </p:nvSpPr>
         <p:spPr>
           <a:xfrm>
-            <a:off x="4648200" y="1600200"/>
-            <a:ext cx="4041775" cy="609600"/>
+            <a:off x="4648201" y="1200150"/>
+            <a:ext cx="4041775" cy="457200"/>
           </a:xfrm>
         </p:spPr>
         <p:txBody>
@@ -1747,6 +1759,7 @@
           <a:p>
             <a:fld id="{BF92E2F3-A957-4897-AE39-228CC061DCDB}" type="datetimeFigureOut">
               <a:rPr lang="sk-SK" smtClean="0"/>
+              <a:pPr/>
               <a:t>24. 10. 2017</a:t>
             </a:fld>
             <a:endParaRPr lang="sk-SK"/>
@@ -1789,6 +1802,7 @@
           <a:p>
             <a:fld id="{6EC84D80-3779-453A-ADA2-5F0F5F321983}" type="slidenum">
               <a:rPr lang="sk-SK" smtClean="0"/>
+              <a:pPr/>
               <a:t>‹#›</a:t>
             </a:fld>
             <a:endParaRPr lang="sk-SK"/>
@@ -1807,8 +1821,8 @@
         </p:nvSpPr>
         <p:spPr>
           <a:xfrm>
-            <a:off x="457200" y="2212848"/>
-            <a:ext cx="4041648" cy="3913632"/>
+            <a:off x="457200" y="1659636"/>
+            <a:ext cx="4041648" cy="2935224"/>
           </a:xfrm>
         </p:spPr>
         <p:txBody>
@@ -1864,8 +1878,8 @@
         </p:nvSpPr>
         <p:spPr>
           <a:xfrm>
-            <a:off x="4672584" y="2212848"/>
-            <a:ext cx="4041648" cy="3913187"/>
+            <a:off x="4672584" y="1659637"/>
+            <a:ext cx="4041648" cy="2934890"/>
           </a:xfrm>
         </p:spPr>
         <p:txBody>
@@ -1974,6 +1988,7 @@
           <a:p>
             <a:fld id="{BF92E2F3-A957-4897-AE39-228CC061DCDB}" type="datetimeFigureOut">
               <a:rPr lang="sk-SK" smtClean="0"/>
+              <a:pPr/>
               <a:t>24. 10. 2017</a:t>
             </a:fld>
             <a:endParaRPr lang="sk-SK"/>
@@ -2016,6 +2031,7 @@
           <a:p>
             <a:fld id="{6EC84D80-3779-453A-ADA2-5F0F5F321983}" type="slidenum">
               <a:rPr lang="sk-SK" smtClean="0"/>
+              <a:pPr/>
               <a:t>‹#›</a:t>
             </a:fld>
             <a:endParaRPr lang="sk-SK"/>
@@ -2064,6 +2080,7 @@
           <a:p>
             <a:fld id="{BF92E2F3-A957-4897-AE39-228CC061DCDB}" type="datetimeFigureOut">
               <a:rPr lang="sk-SK" smtClean="0"/>
+              <a:pPr/>
               <a:t>24. 10. 2017</a:t>
             </a:fld>
             <a:endParaRPr lang="sk-SK"/>
@@ -2106,6 +2123,7 @@
           <a:p>
             <a:fld id="{6EC84D80-3779-453A-ADA2-5F0F5F321983}" type="slidenum">
               <a:rPr lang="sk-SK" smtClean="0"/>
+              <a:pPr/>
               <a:t>‹#›</a:t>
             </a:fld>
             <a:endParaRPr lang="sk-SK"/>
@@ -2149,8 +2167,8 @@
         </p:nvSpPr>
         <p:spPr>
           <a:xfrm>
-            <a:off x="5907087" y="266700"/>
-            <a:ext cx="3008313" cy="2095500"/>
+            <a:off x="5907088" y="200025"/>
+            <a:ext cx="3008313" cy="1571625"/>
           </a:xfrm>
         </p:spPr>
         <p:txBody>
@@ -2192,8 +2210,8 @@
         </p:nvSpPr>
         <p:spPr>
           <a:xfrm>
-            <a:off x="719137" y="273050"/>
-            <a:ext cx="4995863" cy="5853113"/>
+            <a:off x="719138" y="204788"/>
+            <a:ext cx="4995863" cy="4389835"/>
           </a:xfrm>
         </p:spPr>
         <p:txBody>
@@ -2277,8 +2295,8 @@
         </p:nvSpPr>
         <p:spPr>
           <a:xfrm>
-            <a:off x="5907087" y="2438400"/>
-            <a:ext cx="3008313" cy="3687763"/>
+            <a:off x="5907088" y="1828801"/>
+            <a:ext cx="3008313" cy="2765822"/>
           </a:xfrm>
         </p:spPr>
         <p:txBody>
@@ -2352,6 +2370,7 @@
           <a:p>
             <a:fld id="{BF92E2F3-A957-4897-AE39-228CC061DCDB}" type="datetimeFigureOut">
               <a:rPr lang="sk-SK" smtClean="0"/>
+              <a:pPr/>
               <a:t>24. 10. 2017</a:t>
             </a:fld>
             <a:endParaRPr lang="sk-SK"/>
@@ -2394,6 +2413,7 @@
           <a:p>
             <a:fld id="{6EC84D80-3779-453A-ADA2-5F0F5F321983}" type="slidenum">
               <a:rPr lang="sk-SK" smtClean="0"/>
+              <a:pPr/>
               <a:t>‹#›</a:t>
             </a:fld>
             <a:endParaRPr lang="sk-SK"/>
@@ -2437,8 +2457,8 @@
         </p:nvSpPr>
         <p:spPr>
           <a:xfrm>
-            <a:off x="1679576" y="228600"/>
-            <a:ext cx="5711824" cy="895350"/>
+            <a:off x="1679576" y="171450"/>
+            <a:ext cx="5711824" cy="671513"/>
           </a:xfrm>
         </p:spPr>
         <p:txBody>
@@ -2472,8 +2492,8 @@
         </p:nvSpPr>
         <p:spPr>
           <a:xfrm>
-            <a:off x="1508126" y="1143000"/>
-            <a:ext cx="6054724" cy="4541044"/>
+            <a:off x="1508126" y="857250"/>
+            <a:ext cx="6054724" cy="3405783"/>
           </a:xfrm>
           <a:ln w="76200">
             <a:solidFill>
@@ -2549,8 +2569,8 @@
         </p:nvSpPr>
         <p:spPr>
           <a:xfrm>
-            <a:off x="1679576" y="5810250"/>
-            <a:ext cx="5711824" cy="533400"/>
+            <a:off x="1679576" y="4357688"/>
+            <a:ext cx="5711824" cy="400050"/>
           </a:xfrm>
         </p:spPr>
         <p:txBody>
@@ -2621,6 +2641,7 @@
           <a:p>
             <a:fld id="{BF92E2F3-A957-4897-AE39-228CC061DCDB}" type="datetimeFigureOut">
               <a:rPr lang="sk-SK" smtClean="0"/>
+              <a:pPr/>
               <a:t>24. 10. 2017</a:t>
             </a:fld>
             <a:endParaRPr lang="sk-SK"/>
@@ -2663,6 +2684,7 @@
           <a:p>
             <a:fld id="{6EC84D80-3779-453A-ADA2-5F0F5F321983}" type="slidenum">
               <a:rPr lang="sk-SK" smtClean="0"/>
+              <a:pPr/>
               <a:t>‹#›</a:t>
             </a:fld>
             <a:endParaRPr lang="sk-SK"/>
@@ -2712,7 +2734,7 @@
         <p:spPr>
           <a:xfrm>
             <a:off x="457200" y="0"/>
-            <a:ext cx="8229600" cy="1600200"/>
+            <a:ext cx="8229600" cy="1200150"/>
           </a:xfrm>
           <a:prstGeom prst="rect">
             <a:avLst/>
@@ -2744,8 +2766,8 @@
         </p:nvSpPr>
         <p:spPr>
           <a:xfrm>
-            <a:off x="457200" y="1600200"/>
-            <a:ext cx="8229600" cy="4525963"/>
+            <a:off x="457200" y="1200151"/>
+            <a:ext cx="8229600" cy="3394472"/>
           </a:xfrm>
           <a:prstGeom prst="rect">
             <a:avLst/>
@@ -2806,8 +2828,8 @@
         </p:nvSpPr>
         <p:spPr>
           <a:xfrm>
-            <a:off x="6363347" y="6356350"/>
-            <a:ext cx="2085975" cy="365125"/>
+            <a:off x="6363348" y="4767263"/>
+            <a:ext cx="2085975" cy="273844"/>
           </a:xfrm>
           <a:prstGeom prst="rect">
             <a:avLst/>
@@ -2831,6 +2853,7 @@
           <a:p>
             <a:fld id="{BF92E2F3-A957-4897-AE39-228CC061DCDB}" type="datetimeFigureOut">
               <a:rPr lang="sk-SK" smtClean="0"/>
+              <a:pPr/>
               <a:t>24. 10. 2017</a:t>
             </a:fld>
             <a:endParaRPr lang="sk-SK"/>
@@ -2849,8 +2872,8 @@
         </p:nvSpPr>
         <p:spPr>
           <a:xfrm>
-            <a:off x="659165" y="6356350"/>
-            <a:ext cx="2847975" cy="365125"/>
+            <a:off x="659166" y="4767263"/>
+            <a:ext cx="2847975" cy="273844"/>
           </a:xfrm>
           <a:prstGeom prst="rect">
             <a:avLst/>
@@ -2888,8 +2911,8 @@
         </p:nvSpPr>
         <p:spPr>
           <a:xfrm>
-            <a:off x="8543278" y="6356350"/>
-            <a:ext cx="561975" cy="365125"/>
+            <a:off x="8543279" y="4767263"/>
+            <a:ext cx="561975" cy="273844"/>
           </a:xfrm>
           <a:prstGeom prst="rect">
             <a:avLst/>
@@ -2913,6 +2936,7 @@
           <a:p>
             <a:fld id="{6EC84D80-3779-453A-ADA2-5F0F5F321983}" type="slidenum">
               <a:rPr lang="sk-SK" smtClean="0"/>
+              <a:pPr/>
               <a:t>‹#›</a:t>
             </a:fld>
             <a:endParaRPr lang="sk-SK"/>
@@ -2927,8 +2951,8 @@
         </p:nvSpPr>
         <p:spPr>
           <a:xfrm>
-            <a:off x="8457760" y="6499384"/>
-            <a:ext cx="84772" cy="84772"/>
+            <a:off x="8457760" y="4874538"/>
+            <a:ext cx="84772" cy="63579"/>
           </a:xfrm>
           <a:prstGeom prst="ellipse">
             <a:avLst/>
@@ -2984,8 +3008,8 @@
         </p:nvSpPr>
         <p:spPr>
           <a:xfrm>
-            <a:off x="569119" y="6499384"/>
-            <a:ext cx="84772" cy="84772"/>
+            <a:off x="569119" y="4874538"/>
+            <a:ext cx="84772" cy="63579"/>
           </a:xfrm>
           <a:prstGeom prst="ellipse">
             <a:avLst/>
@@ -3362,7 +3386,7 @@
         <p:spPr>
           <a:xfrm>
             <a:off x="457200" y="0"/>
-            <a:ext cx="8229600" cy="1052736"/>
+            <a:ext cx="8229600" cy="789552"/>
           </a:xfrm>
         </p:spPr>
         <p:txBody>
@@ -3389,7 +3413,7 @@
           <a:blip r:embed="rId2">
             <a:extLst>
               <a:ext uri="{28A0092B-C50C-407E-A947-70E740481C1C}">
-                <a14:useLocalDpi xmlns:a14="http://schemas.microsoft.com/office/drawing/2010/main" val="0"/>
+                <a14:useLocalDpi xmlns:a14="http://schemas.microsoft.com/office/drawing/2010/main" xmlns="" val="0"/>
               </a:ext>
             </a:extLst>
           </a:blip>
@@ -3400,8 +3424,8 @@
         </p:blipFill>
         <p:spPr bwMode="auto">
           <a:xfrm>
-            <a:off x="0" y="1802290"/>
-            <a:ext cx="4339294" cy="3096344"/>
+            <a:off x="0" y="1351718"/>
+            <a:ext cx="4339294" cy="2322258"/>
           </a:xfrm>
           <a:prstGeom prst="rect">
             <a:avLst/>
@@ -3409,7 +3433,7 @@
           <a:noFill/>
           <a:extLst>
             <a:ext uri="{909E8E84-426E-40DD-AFC4-6F175D3DCCD1}">
-              <a14:hiddenFill xmlns:a14="http://schemas.microsoft.com/office/drawing/2010/main">
+              <a14:hiddenFill xmlns:a14="http://schemas.microsoft.com/office/drawing/2010/main" xmlns="">
                 <a:solidFill>
                   <a:srgbClr val="FFFFFF"/>
                 </a:solidFill>
@@ -3426,7 +3450,7 @@
         </p:nvSpPr>
         <p:spPr>
           <a:xfrm>
-            <a:off x="89733" y="5733256"/>
+            <a:off x="89734" y="4299943"/>
             <a:ext cx="9054267" cy="584775"/>
           </a:xfrm>
           <a:prstGeom prst="rect">
@@ -3493,7 +3517,7 @@
           <a:blip r:embed="rId3">
             <a:extLst>
               <a:ext uri="{28A0092B-C50C-407E-A947-70E740481C1C}">
-                <a14:useLocalDpi xmlns:a14="http://schemas.microsoft.com/office/drawing/2010/main" val="0"/>
+                <a14:useLocalDpi xmlns:a14="http://schemas.microsoft.com/office/drawing/2010/main" xmlns="" val="0"/>
               </a:ext>
             </a:extLst>
           </a:blip>
@@ -3504,8 +3528,8 @@
         </p:blipFill>
         <p:spPr bwMode="auto">
           <a:xfrm>
-            <a:off x="4339294" y="1802290"/>
-            <a:ext cx="4772025" cy="3096344"/>
+            <a:off x="4339295" y="1351718"/>
+            <a:ext cx="4772025" cy="2322258"/>
           </a:xfrm>
           <a:prstGeom prst="rect">
             <a:avLst/>
@@ -3513,7 +3537,7 @@
           <a:noFill/>
           <a:extLst>
             <a:ext uri="{909E8E84-426E-40DD-AFC4-6F175D3DCCD1}">
-              <a14:hiddenFill xmlns:a14="http://schemas.microsoft.com/office/drawing/2010/main">
+              <a14:hiddenFill xmlns:a14="http://schemas.microsoft.com/office/drawing/2010/main" xmlns="">
                 <a:solidFill>
                   <a:srgbClr val="FFFFFF"/>
                 </a:solidFill>
@@ -3525,7 +3549,7 @@
     </p:spTree>
     <p:extLst>
       <p:ext uri="{BB962C8B-B14F-4D97-AF65-F5344CB8AC3E}">
-        <p14:creationId xmlns:p14="http://schemas.microsoft.com/office/powerpoint/2010/main" val="1772816676"/>
+        <p14:creationId xmlns:p14="http://schemas.microsoft.com/office/powerpoint/2010/main" xmlns="" val="1772816676"/>
       </p:ext>
     </p:extLst>
   </p:cSld>
@@ -3565,7 +3589,7 @@
         <p:spPr>
           <a:xfrm>
             <a:off x="457200" y="0"/>
-            <a:ext cx="8229600" cy="764704"/>
+            <a:ext cx="8229600" cy="573528"/>
           </a:xfrm>
         </p:spPr>
         <p:txBody>
@@ -3592,7 +3616,7 @@
           <a:blip r:embed="rId2">
             <a:extLst>
               <a:ext uri="{28A0092B-C50C-407E-A947-70E740481C1C}">
-                <a14:useLocalDpi xmlns:a14="http://schemas.microsoft.com/office/drawing/2010/main" val="0"/>
+                <a14:useLocalDpi xmlns:a14="http://schemas.microsoft.com/office/drawing/2010/main" xmlns="" val="0"/>
               </a:ext>
             </a:extLst>
           </a:blip>
@@ -3603,8 +3627,8 @@
         </p:blipFill>
         <p:spPr bwMode="auto">
           <a:xfrm>
-            <a:off x="179513" y="908720"/>
-            <a:ext cx="4512922" cy="3384376"/>
+            <a:off x="179513" y="681540"/>
+            <a:ext cx="4512922" cy="2538282"/>
           </a:xfrm>
           <a:prstGeom prst="rect">
             <a:avLst/>
@@ -3612,7 +3636,7 @@
           <a:noFill/>
           <a:extLst>
             <a:ext uri="{909E8E84-426E-40DD-AFC4-6F175D3DCCD1}">
-              <a14:hiddenFill xmlns:a14="http://schemas.microsoft.com/office/drawing/2010/main">
+              <a14:hiddenFill xmlns:a14="http://schemas.microsoft.com/office/drawing/2010/main" xmlns="">
                 <a:solidFill>
                   <a:srgbClr val="FFFFFF"/>
                 </a:solidFill>
@@ -3629,7 +3653,7 @@
         </p:nvSpPr>
         <p:spPr>
           <a:xfrm>
-            <a:off x="10515" y="5479698"/>
+            <a:off x="10515" y="4109773"/>
             <a:ext cx="9108504" cy="707886"/>
           </a:xfrm>
           <a:prstGeom prst="rect">
@@ -3671,7 +3695,7 @@
           <a:blip r:embed="rId3">
             <a:extLst>
               <a:ext uri="{28A0092B-C50C-407E-A947-70E740481C1C}">
-                <a14:useLocalDpi xmlns:a14="http://schemas.microsoft.com/office/drawing/2010/main" val="0"/>
+                <a14:useLocalDpi xmlns:a14="http://schemas.microsoft.com/office/drawing/2010/main" xmlns="" val="0"/>
               </a:ext>
             </a:extLst>
           </a:blip>
@@ -3682,8 +3706,8 @@
         </p:blipFill>
         <p:spPr bwMode="auto">
           <a:xfrm>
-            <a:off x="5115675" y="764704"/>
-            <a:ext cx="3781161" cy="4825524"/>
+            <a:off x="5115676" y="573528"/>
+            <a:ext cx="3781161" cy="3619143"/>
           </a:xfrm>
           <a:prstGeom prst="rect">
             <a:avLst/>
@@ -3691,7 +3715,7 @@
           <a:noFill/>
           <a:extLst>
             <a:ext uri="{909E8E84-426E-40DD-AFC4-6F175D3DCCD1}">
-              <a14:hiddenFill xmlns:a14="http://schemas.microsoft.com/office/drawing/2010/main">
+              <a14:hiddenFill xmlns:a14="http://schemas.microsoft.com/office/drawing/2010/main" xmlns="">
                 <a:solidFill>
                   <a:srgbClr val="FFFFFF"/>
                 </a:solidFill>
@@ -3703,7 +3727,7 @@
     </p:spTree>
     <p:extLst>
       <p:ext uri="{BB962C8B-B14F-4D97-AF65-F5344CB8AC3E}">
-        <p14:creationId xmlns:p14="http://schemas.microsoft.com/office/powerpoint/2010/main" val="4064955628"/>
+        <p14:creationId xmlns:p14="http://schemas.microsoft.com/office/powerpoint/2010/main" xmlns="" val="4064955628"/>
       </p:ext>
     </p:extLst>
   </p:cSld>
@@ -3765,7 +3789,7 @@
           <a:blip r:embed="rId2">
             <a:extLst>
               <a:ext uri="{28A0092B-C50C-407E-A947-70E740481C1C}">
-                <a14:useLocalDpi xmlns:a14="http://schemas.microsoft.com/office/drawing/2010/main" val="0"/>
+                <a14:useLocalDpi xmlns:a14="http://schemas.microsoft.com/office/drawing/2010/main" xmlns="" val="0"/>
               </a:ext>
             </a:extLst>
           </a:blip>
@@ -3776,8 +3800,8 @@
         </p:blipFill>
         <p:spPr bwMode="auto">
           <a:xfrm>
-            <a:off x="323528" y="1700808"/>
-            <a:ext cx="8576954" cy="4968552"/>
+            <a:off x="323528" y="1275606"/>
+            <a:ext cx="8576954" cy="3726414"/>
           </a:xfrm>
           <a:prstGeom prst="rect">
             <a:avLst/>
@@ -3785,7 +3809,7 @@
           <a:noFill/>
           <a:extLst>
             <a:ext uri="{909E8E84-426E-40DD-AFC4-6F175D3DCCD1}">
-              <a14:hiddenFill xmlns:a14="http://schemas.microsoft.com/office/drawing/2010/main">
+              <a14:hiddenFill xmlns:a14="http://schemas.microsoft.com/office/drawing/2010/main" xmlns="">
                 <a:solidFill>
                   <a:srgbClr val="FFFFFF"/>
                 </a:solidFill>
@@ -3797,7 +3821,7 @@
     </p:spTree>
     <p:extLst>
       <p:ext uri="{BB962C8B-B14F-4D97-AF65-F5344CB8AC3E}">
-        <p14:creationId xmlns:p14="http://schemas.microsoft.com/office/powerpoint/2010/main" val="3273809569"/>
+        <p14:creationId xmlns:p14="http://schemas.microsoft.com/office/powerpoint/2010/main" xmlns="" val="3273809569"/>
       </p:ext>
     </p:extLst>
   </p:cSld>
@@ -3832,7 +3856,7 @@
         </p:nvSpPr>
         <p:spPr>
           <a:xfrm>
-            <a:off x="2699792" y="3284984"/>
+            <a:off x="2699793" y="2463738"/>
             <a:ext cx="942887" cy="369332"/>
           </a:xfrm>
           <a:prstGeom prst="rect">
@@ -3857,7 +3881,7 @@
     </p:spTree>
     <p:extLst>
       <p:ext uri="{BB962C8B-B14F-4D97-AF65-F5344CB8AC3E}">
-        <p14:creationId xmlns:p14="http://schemas.microsoft.com/office/powerpoint/2010/main" val="1637166684"/>
+        <p14:creationId xmlns:p14="http://schemas.microsoft.com/office/powerpoint/2010/main" xmlns="" val="1637166684"/>
       </p:ext>
     </p:extLst>
   </p:cSld>
@@ -3919,7 +3943,9 @@
         </p:nvSpPr>
         <p:spPr/>
         <p:txBody>
-          <a:bodyPr/>
+          <a:bodyPr>
+            <a:normAutofit fontScale="92500" lnSpcReduction="10000"/>
+          </a:bodyPr>
           <a:lstStyle/>
           <a:p>
             <a:pPr marL="0" indent="0">
@@ -4027,7 +4053,7 @@
     </p:spTree>
     <p:extLst>
       <p:ext uri="{BB962C8B-B14F-4D97-AF65-F5344CB8AC3E}">
-        <p14:creationId xmlns:p14="http://schemas.microsoft.com/office/powerpoint/2010/main" val="1678906915"/>
+        <p14:creationId xmlns:p14="http://schemas.microsoft.com/office/powerpoint/2010/main" xmlns="" val="1678906915"/>
       </p:ext>
     </p:extLst>
   </p:cSld>
@@ -4122,7 +4148,7 @@
     </p:spTree>
     <p:extLst>
       <p:ext uri="{BB962C8B-B14F-4D97-AF65-F5344CB8AC3E}">
-        <p14:creationId xmlns:p14="http://schemas.microsoft.com/office/powerpoint/2010/main" val="1331901316"/>
+        <p14:creationId xmlns:p14="http://schemas.microsoft.com/office/powerpoint/2010/main" xmlns="" val="1331901316"/>
       </p:ext>
     </p:extLst>
   </p:cSld>
@@ -4286,7 +4312,7 @@
     </p:spTree>
     <p:extLst>
       <p:ext uri="{BB962C8B-B14F-4D97-AF65-F5344CB8AC3E}">
-        <p14:creationId xmlns:p14="http://schemas.microsoft.com/office/powerpoint/2010/main" val="1179722671"/>
+        <p14:creationId xmlns:p14="http://schemas.microsoft.com/office/powerpoint/2010/main" xmlns="" val="1179722671"/>
       </p:ext>
     </p:extLst>
   </p:cSld>
@@ -4325,7 +4351,7 @@
           <a:blip r:embed="rId2">
             <a:extLst>
               <a:ext uri="{28A0092B-C50C-407E-A947-70E740481C1C}">
-                <a14:useLocalDpi xmlns:a14="http://schemas.microsoft.com/office/drawing/2010/main" val="0"/>
+                <a14:useLocalDpi xmlns:a14="http://schemas.microsoft.com/office/drawing/2010/main" xmlns="" val="0"/>
               </a:ext>
             </a:extLst>
           </a:blip>
@@ -4336,8 +4362,8 @@
         </p:blipFill>
         <p:spPr bwMode="auto">
           <a:xfrm>
-            <a:off x="2195736" y="527607"/>
-            <a:ext cx="4176464" cy="3927534"/>
+            <a:off x="2195736" y="395705"/>
+            <a:ext cx="4176464" cy="2945651"/>
           </a:xfrm>
           <a:prstGeom prst="rect">
             <a:avLst/>
@@ -4345,7 +4371,7 @@
           <a:noFill/>
           <a:extLst>
             <a:ext uri="{909E8E84-426E-40DD-AFC4-6F175D3DCCD1}">
-              <a14:hiddenFill xmlns:a14="http://schemas.microsoft.com/office/drawing/2010/main">
+              <a14:hiddenFill xmlns:a14="http://schemas.microsoft.com/office/drawing/2010/main" xmlns="">
                 <a:solidFill>
                   <a:srgbClr val="FFFFFF"/>
                 </a:solidFill>
@@ -4362,7 +4388,7 @@
         </p:nvSpPr>
         <p:spPr>
           <a:xfrm>
-            <a:off x="2756145" y="4797151"/>
+            <a:off x="2756146" y="3597864"/>
             <a:ext cx="3055645" cy="461665"/>
           </a:xfrm>
           <a:prstGeom prst="rect">
@@ -4386,7 +4412,7 @@
     </p:spTree>
     <p:extLst>
       <p:ext uri="{BB962C8B-B14F-4D97-AF65-F5344CB8AC3E}">
-        <p14:creationId xmlns:p14="http://schemas.microsoft.com/office/powerpoint/2010/main" val="1685490562"/>
+        <p14:creationId xmlns:p14="http://schemas.microsoft.com/office/powerpoint/2010/main" xmlns="" val="1685490562"/>
       </p:ext>
     </p:extLst>
   </p:cSld>

--- a/presentation/scan2Shop.pptx
+++ b/presentation/scan2Shop.pptx
@@ -3413,7 +3413,7 @@
           <a:blip r:embed="rId2">
             <a:extLst>
               <a:ext uri="{28A0092B-C50C-407E-A947-70E740481C1C}">
-                <a14:useLocalDpi xmlns:a14="http://schemas.microsoft.com/office/drawing/2010/main" xmlns="" val="0"/>
+                <a14:useLocalDpi xmlns:a14="http://schemas.microsoft.com/office/drawing/2010/main" val="0"/>
               </a:ext>
             </a:extLst>
           </a:blip>
@@ -3424,8 +3424,8 @@
         </p:blipFill>
         <p:spPr bwMode="auto">
           <a:xfrm>
-            <a:off x="0" y="1351718"/>
-            <a:ext cx="4339294" cy="2322258"/>
+            <a:off x="66196" y="1351718"/>
+            <a:ext cx="4273098" cy="2286832"/>
           </a:xfrm>
           <a:prstGeom prst="rect">
             <a:avLst/>
@@ -3433,7 +3433,7 @@
           <a:noFill/>
           <a:extLst>
             <a:ext uri="{909E8E84-426E-40DD-AFC4-6F175D3DCCD1}">
-              <a14:hiddenFill xmlns:a14="http://schemas.microsoft.com/office/drawing/2010/main" xmlns="">
+              <a14:hiddenFill xmlns:a14="http://schemas.microsoft.com/office/drawing/2010/main">
                 <a:solidFill>
                   <a:srgbClr val="FFFFFF"/>
                 </a:solidFill>
@@ -3517,7 +3517,7 @@
           <a:blip r:embed="rId3">
             <a:extLst>
               <a:ext uri="{28A0092B-C50C-407E-A947-70E740481C1C}">
-                <a14:useLocalDpi xmlns:a14="http://schemas.microsoft.com/office/drawing/2010/main" xmlns="" val="0"/>
+                <a14:useLocalDpi xmlns:a14="http://schemas.microsoft.com/office/drawing/2010/main" val="0"/>
               </a:ext>
             </a:extLst>
           </a:blip>
@@ -3528,8 +3528,8 @@
         </p:blipFill>
         <p:spPr bwMode="auto">
           <a:xfrm>
-            <a:off x="4339295" y="1351718"/>
-            <a:ext cx="4772025" cy="2322258"/>
+            <a:off x="4395989" y="1343400"/>
+            <a:ext cx="4691720" cy="2283178"/>
           </a:xfrm>
           <a:prstGeom prst="rect">
             <a:avLst/>
@@ -3537,7 +3537,7 @@
           <a:noFill/>
           <a:extLst>
             <a:ext uri="{909E8E84-426E-40DD-AFC4-6F175D3DCCD1}">
-              <a14:hiddenFill xmlns:a14="http://schemas.microsoft.com/office/drawing/2010/main" xmlns="">
+              <a14:hiddenFill xmlns:a14="http://schemas.microsoft.com/office/drawing/2010/main">
                 <a:solidFill>
                   <a:srgbClr val="FFFFFF"/>
                 </a:solidFill>
@@ -3549,7 +3549,7 @@
     </p:spTree>
     <p:extLst>
       <p:ext uri="{BB962C8B-B14F-4D97-AF65-F5344CB8AC3E}">
-        <p14:creationId xmlns:p14="http://schemas.microsoft.com/office/powerpoint/2010/main" xmlns="" val="1772816676"/>
+        <p14:creationId xmlns:p14="http://schemas.microsoft.com/office/powerpoint/2010/main" val="1772816676"/>
       </p:ext>
     </p:extLst>
   </p:cSld>
@@ -3588,8 +3588,8 @@
         </p:nvSpPr>
         <p:spPr>
           <a:xfrm>
-            <a:off x="457200" y="0"/>
-            <a:ext cx="8229600" cy="573528"/>
+            <a:off x="449967" y="226572"/>
+            <a:ext cx="8229600" cy="516378"/>
           </a:xfrm>
         </p:spPr>
         <p:txBody>
@@ -3616,7 +3616,7 @@
           <a:blip r:embed="rId2">
             <a:extLst>
               <a:ext uri="{28A0092B-C50C-407E-A947-70E740481C1C}">
-                <a14:useLocalDpi xmlns:a14="http://schemas.microsoft.com/office/drawing/2010/main" xmlns="" val="0"/>
+                <a14:useLocalDpi xmlns:a14="http://schemas.microsoft.com/office/drawing/2010/main" val="0"/>
               </a:ext>
             </a:extLst>
           </a:blip>
@@ -3627,7 +3627,7 @@
         </p:blipFill>
         <p:spPr bwMode="auto">
           <a:xfrm>
-            <a:off x="179513" y="681540"/>
+            <a:off x="162341" y="895350"/>
             <a:ext cx="4512922" cy="2538282"/>
           </a:xfrm>
           <a:prstGeom prst="rect">
@@ -3636,7 +3636,7 @@
           <a:noFill/>
           <a:extLst>
             <a:ext uri="{909E8E84-426E-40DD-AFC4-6F175D3DCCD1}">
-              <a14:hiddenFill xmlns:a14="http://schemas.microsoft.com/office/drawing/2010/main" xmlns="">
+              <a14:hiddenFill xmlns:a14="http://schemas.microsoft.com/office/drawing/2010/main">
                 <a:solidFill>
                   <a:srgbClr val="FFFFFF"/>
                 </a:solidFill>
@@ -3695,7 +3695,7 @@
           <a:blip r:embed="rId3">
             <a:extLst>
               <a:ext uri="{28A0092B-C50C-407E-A947-70E740481C1C}">
-                <a14:useLocalDpi xmlns:a14="http://schemas.microsoft.com/office/drawing/2010/main" xmlns="" val="0"/>
+                <a14:useLocalDpi xmlns:a14="http://schemas.microsoft.com/office/drawing/2010/main" val="0"/>
               </a:ext>
             </a:extLst>
           </a:blip>
@@ -3706,8 +3706,8 @@
         </p:blipFill>
         <p:spPr bwMode="auto">
           <a:xfrm>
-            <a:off x="5115676" y="573528"/>
-            <a:ext cx="3781161" cy="3619143"/>
+            <a:off x="5115676" y="742950"/>
+            <a:ext cx="3781161" cy="3449721"/>
           </a:xfrm>
           <a:prstGeom prst="rect">
             <a:avLst/>
@@ -3715,7 +3715,7 @@
           <a:noFill/>
           <a:extLst>
             <a:ext uri="{909E8E84-426E-40DD-AFC4-6F175D3DCCD1}">
-              <a14:hiddenFill xmlns:a14="http://schemas.microsoft.com/office/drawing/2010/main" xmlns="">
+              <a14:hiddenFill xmlns:a14="http://schemas.microsoft.com/office/drawing/2010/main">
                 <a:solidFill>
                   <a:srgbClr val="FFFFFF"/>
                 </a:solidFill>
@@ -3727,7 +3727,7 @@
     </p:spTree>
     <p:extLst>
       <p:ext uri="{BB962C8B-B14F-4D97-AF65-F5344CB8AC3E}">
-        <p14:creationId xmlns:p14="http://schemas.microsoft.com/office/powerpoint/2010/main" xmlns="" val="4064955628"/>
+        <p14:creationId xmlns:p14="http://schemas.microsoft.com/office/powerpoint/2010/main" val="4064955628"/>
       </p:ext>
     </p:extLst>
   </p:cSld>
@@ -3764,16 +3764,21 @@
             <p:ph type="title"/>
           </p:nvPr>
         </p:nvSpPr>
-        <p:spPr/>
-        <p:txBody>
-          <a:bodyPr/>
-          <a:lstStyle/>
-          <a:p>
-            <a:r>
-              <a:rPr lang="en-US" sz="4400" dirty="0" smtClean="0"/>
+        <p:spPr>
+          <a:xfrm>
+            <a:off x="457200" y="209550"/>
+            <a:ext cx="8229600" cy="762000"/>
+          </a:xfrm>
+        </p:spPr>
+        <p:txBody>
+          <a:bodyPr/>
+          <a:lstStyle/>
+          <a:p>
+            <a:r>
+              <a:rPr lang="en-US" sz="2400" dirty="0" smtClean="0"/>
               <a:t>Ever struggled with finding a price tag for an item?</a:t>
             </a:r>
-            <a:endParaRPr lang="sk-SK" sz="4400" dirty="0"/>
+            <a:endParaRPr lang="sk-SK" sz="2400" dirty="0"/>
           </a:p>
         </p:txBody>
       </p:sp>
@@ -3789,7 +3794,7 @@
           <a:blip r:embed="rId2">
             <a:extLst>
               <a:ext uri="{28A0092B-C50C-407E-A947-70E740481C1C}">
-                <a14:useLocalDpi xmlns:a14="http://schemas.microsoft.com/office/drawing/2010/main" xmlns="" val="0"/>
+                <a14:useLocalDpi xmlns:a14="http://schemas.microsoft.com/office/drawing/2010/main" val="0"/>
               </a:ext>
             </a:extLst>
           </a:blip>
@@ -3800,8 +3805,8 @@
         </p:blipFill>
         <p:spPr bwMode="auto">
           <a:xfrm>
-            <a:off x="323528" y="1275606"/>
-            <a:ext cx="8576954" cy="3726414"/>
+            <a:off x="762000" y="1317401"/>
+            <a:ext cx="7522921" cy="3268470"/>
           </a:xfrm>
           <a:prstGeom prst="rect">
             <a:avLst/>
@@ -3809,7 +3814,7 @@
           <a:noFill/>
           <a:extLst>
             <a:ext uri="{909E8E84-426E-40DD-AFC4-6F175D3DCCD1}">
-              <a14:hiddenFill xmlns:a14="http://schemas.microsoft.com/office/drawing/2010/main" xmlns="">
+              <a14:hiddenFill xmlns:a14="http://schemas.microsoft.com/office/drawing/2010/main">
                 <a:solidFill>
                   <a:srgbClr val="FFFFFF"/>
                 </a:solidFill>
@@ -3821,7 +3826,7 @@
     </p:spTree>
     <p:extLst>
       <p:ext uri="{BB962C8B-B14F-4D97-AF65-F5344CB8AC3E}">
-        <p14:creationId xmlns:p14="http://schemas.microsoft.com/office/powerpoint/2010/main" xmlns="" val="3273809569"/>
+        <p14:creationId xmlns:p14="http://schemas.microsoft.com/office/powerpoint/2010/main" val="3273809569"/>
       </p:ext>
     </p:extLst>
   </p:cSld>
@@ -3881,7 +3886,7 @@
     </p:spTree>
     <p:extLst>
       <p:ext uri="{BB962C8B-B14F-4D97-AF65-F5344CB8AC3E}">
-        <p14:creationId xmlns:p14="http://schemas.microsoft.com/office/powerpoint/2010/main" xmlns="" val="1637166684"/>
+        <p14:creationId xmlns:p14="http://schemas.microsoft.com/office/powerpoint/2010/main" val="1637166684"/>
       </p:ext>
     </p:extLst>
   </p:cSld>
@@ -4050,10 +4055,55 @@
           </a:p>
         </p:txBody>
       </p:sp>
+      <p:pic>
+        <p:nvPicPr>
+          <p:cNvPr id="1026" name="Picture 2" descr="C:\work\private\ibmhackathon\presentation\Screenshot_2017-10-24-13-17-12.png"/>
+          <p:cNvPicPr>
+            <a:picLocks noChangeAspect="1" noChangeArrowheads="1"/>
+          </p:cNvPicPr>
+          <p:nvPr/>
+        </p:nvPicPr>
+        <p:blipFill>
+          <a:blip r:embed="rId2" cstate="print">
+            <a:extLst>
+              <a:ext uri="{28A0092B-C50C-407E-A947-70E740481C1C}">
+                <a14:useLocalDpi xmlns:a14="http://schemas.microsoft.com/office/drawing/2010/main" val="0"/>
+              </a:ext>
+            </a:extLst>
+          </a:blip>
+          <a:srcRect/>
+          <a:stretch>
+            <a:fillRect/>
+          </a:stretch>
+        </p:blipFill>
+        <p:spPr bwMode="auto">
+          <a:xfrm>
+            <a:off x="7162800" y="1962150"/>
+            <a:ext cx="1679078" cy="2985028"/>
+          </a:xfrm>
+          <a:prstGeom prst="rect">
+            <a:avLst/>
+          </a:prstGeom>
+        </p:spPr>
+        <p:style>
+          <a:lnRef idx="2">
+            <a:schemeClr val="dk1"/>
+          </a:lnRef>
+          <a:fillRef idx="1">
+            <a:schemeClr val="lt1"/>
+          </a:fillRef>
+          <a:effectRef idx="0">
+            <a:schemeClr val="dk1"/>
+          </a:effectRef>
+          <a:fontRef idx="minor">
+            <a:schemeClr val="dk1"/>
+          </a:fontRef>
+        </p:style>
+      </p:pic>
     </p:spTree>
     <p:extLst>
       <p:ext uri="{BB962C8B-B14F-4D97-AF65-F5344CB8AC3E}">
-        <p14:creationId xmlns:p14="http://schemas.microsoft.com/office/powerpoint/2010/main" xmlns="" val="1678906915"/>
+        <p14:creationId xmlns:p14="http://schemas.microsoft.com/office/powerpoint/2010/main" val="1678906915"/>
       </p:ext>
     </p:extLst>
   </p:cSld>
@@ -4148,7 +4198,7 @@
     </p:spTree>
     <p:extLst>
       <p:ext uri="{BB962C8B-B14F-4D97-AF65-F5344CB8AC3E}">
-        <p14:creationId xmlns:p14="http://schemas.microsoft.com/office/powerpoint/2010/main" xmlns="" val="1331901316"/>
+        <p14:creationId xmlns:p14="http://schemas.microsoft.com/office/powerpoint/2010/main" val="1331901316"/>
       </p:ext>
     </p:extLst>
   </p:cSld>
@@ -4309,10 +4359,55 @@
           </a:p>
         </p:txBody>
       </p:sp>
+      <p:pic>
+        <p:nvPicPr>
+          <p:cNvPr id="2050" name="Picture 2" descr="C:\work\private\ibmhackathon\presentation\Screenshot_2017-10-24-13-14-57.png"/>
+          <p:cNvPicPr>
+            <a:picLocks noChangeAspect="1" noChangeArrowheads="1"/>
+          </p:cNvPicPr>
+          <p:nvPr/>
+        </p:nvPicPr>
+        <p:blipFill>
+          <a:blip r:embed="rId2" cstate="print">
+            <a:extLst>
+              <a:ext uri="{28A0092B-C50C-407E-A947-70E740481C1C}">
+                <a14:useLocalDpi xmlns:a14="http://schemas.microsoft.com/office/drawing/2010/main" val="0"/>
+              </a:ext>
+            </a:extLst>
+          </a:blip>
+          <a:srcRect/>
+          <a:stretch>
+            <a:fillRect/>
+          </a:stretch>
+        </p:blipFill>
+        <p:spPr bwMode="auto">
+          <a:xfrm>
+            <a:off x="7162800" y="1885950"/>
+            <a:ext cx="1734389" cy="3083359"/>
+          </a:xfrm>
+          <a:prstGeom prst="rect">
+            <a:avLst/>
+          </a:prstGeom>
+        </p:spPr>
+        <p:style>
+          <a:lnRef idx="2">
+            <a:schemeClr val="dk1"/>
+          </a:lnRef>
+          <a:fillRef idx="1">
+            <a:schemeClr val="lt1"/>
+          </a:fillRef>
+          <a:effectRef idx="0">
+            <a:schemeClr val="dk1"/>
+          </a:effectRef>
+          <a:fontRef idx="minor">
+            <a:schemeClr val="dk1"/>
+          </a:fontRef>
+        </p:style>
+      </p:pic>
     </p:spTree>
     <p:extLst>
       <p:ext uri="{BB962C8B-B14F-4D97-AF65-F5344CB8AC3E}">
-        <p14:creationId xmlns:p14="http://schemas.microsoft.com/office/powerpoint/2010/main" xmlns="" val="1179722671"/>
+        <p14:creationId xmlns:p14="http://schemas.microsoft.com/office/powerpoint/2010/main" val="1179722671"/>
       </p:ext>
     </p:extLst>
   </p:cSld>
@@ -4351,7 +4446,7 @@
           <a:blip r:embed="rId2">
             <a:extLst>
               <a:ext uri="{28A0092B-C50C-407E-A947-70E740481C1C}">
-                <a14:useLocalDpi xmlns:a14="http://schemas.microsoft.com/office/drawing/2010/main" xmlns="" val="0"/>
+                <a14:useLocalDpi xmlns:a14="http://schemas.microsoft.com/office/drawing/2010/main" val="0"/>
               </a:ext>
             </a:extLst>
           </a:blip>
@@ -4371,7 +4466,7 @@
           <a:noFill/>
           <a:extLst>
             <a:ext uri="{909E8E84-426E-40DD-AFC4-6F175D3DCCD1}">
-              <a14:hiddenFill xmlns:a14="http://schemas.microsoft.com/office/drawing/2010/main" xmlns="">
+              <a14:hiddenFill xmlns:a14="http://schemas.microsoft.com/office/drawing/2010/main">
                 <a:solidFill>
                   <a:srgbClr val="FFFFFF"/>
                 </a:solidFill>
@@ -4412,7 +4507,7 @@
     </p:spTree>
     <p:extLst>
       <p:ext uri="{BB962C8B-B14F-4D97-AF65-F5344CB8AC3E}">
-        <p14:creationId xmlns:p14="http://schemas.microsoft.com/office/powerpoint/2010/main" xmlns="" val="1685490562"/>
+        <p14:creationId xmlns:p14="http://schemas.microsoft.com/office/powerpoint/2010/main" val="1685490562"/>
       </p:ext>
     </p:extLst>
   </p:cSld>
